--- a/images/home_background/home_background.pptx
+++ b/images/home_background/home_background.pptx
@@ -1,6 +1,6 @@
 
 <file path=ppt/presentation.xml><?xml version="1.0" encoding="utf-8"?>
-<p:presentation xmlns:a="http://schemas.openxmlformats.org/drawingml/2006/main" xmlns:r="http://schemas.openxmlformats.org/officeDocument/2006/relationships" xmlns:mc="http://schemas.openxmlformats.org/markup-compatibility/2006" xmlns:mv="urn:schemas-microsoft-com:mac:vml" xmlns:p="http://schemas.openxmlformats.org/presentationml/2006/main" mc:Ignorable="mv" mc:PreserveAttributes="mv:*" saveSubsetFonts="1" autoCompressPictures="0">
+<p:presentation xmlns:a="http://schemas.openxmlformats.org/drawingml/2006/main" xmlns:r="http://schemas.openxmlformats.org/officeDocument/2006/relationships" xmlns:p="http://schemas.openxmlformats.org/presentationml/2006/main" saveSubsetFonts="1" autoCompressPictures="0">
   <p:sldMasterIdLst>
     <p:sldMasterId id="2147483648" r:id="rId1"/>
   </p:sldMasterIdLst>
@@ -8,6 +8,7 @@
     <p:sldId id="258" r:id="rId2"/>
     <p:sldId id="259" r:id="rId3"/>
     <p:sldId id="260" r:id="rId4"/>
+    <p:sldId id="261" r:id="rId5"/>
   </p:sldIdLst>
   <p:sldSz cx="9144000" cy="6858000" type="screen4x3"/>
   <p:notesSz cx="6858000" cy="9144000"/>
@@ -106,11 +107,27 @@
       </a:defRPr>
     </a:lvl9pPr>
   </p:defaultTextStyle>
+  <p:extLst>
+    <p:ext uri="{EFAFB233-063F-42B5-8137-9DF3F51BA10A}">
+      <p15:sldGuideLst xmlns:p15="http://schemas.microsoft.com/office/powerpoint/2012/main">
+        <p15:guide id="1" orient="horz" pos="2160">
+          <p15:clr>
+            <a:srgbClr val="A4A3A4"/>
+          </p15:clr>
+        </p15:guide>
+        <p15:guide id="2" pos="2880">
+          <p15:clr>
+            <a:srgbClr val="A4A3A4"/>
+          </p15:clr>
+        </p15:guide>
+      </p15:sldGuideLst>
+    </p:ext>
+  </p:extLst>
 </p:presentation>
 </file>
 
 <file path=ppt/slideLayouts/slideLayout1.xml><?xml version="1.0" encoding="utf-8"?>
-<p:sldLayout xmlns:a="http://schemas.openxmlformats.org/drawingml/2006/main" xmlns:r="http://schemas.openxmlformats.org/officeDocument/2006/relationships" xmlns:mc="http://schemas.openxmlformats.org/markup-compatibility/2006" xmlns:mv="urn:schemas-microsoft-com:mac:vml" xmlns:p="http://schemas.openxmlformats.org/presentationml/2006/main" mc:Ignorable="mv" mc:PreserveAttributes="mv:*" type="title" preserve="1">
+<p:sldLayout xmlns:a="http://schemas.openxmlformats.org/drawingml/2006/main" xmlns:r="http://schemas.openxmlformats.org/officeDocument/2006/relationships" xmlns:p="http://schemas.openxmlformats.org/presentationml/2006/main" type="title" preserve="1">
   <p:cSld name="Title Slide">
     <p:spTree>
       <p:nvGrpSpPr>
@@ -291,7 +308,7 @@
             <a:fld id="{BC0F27FA-270D-6E46-9FAB-822F01A0D251}" type="datetimeFigureOut">
               <a:rPr lang="en-US" smtClean="0"/>
               <a:pPr/>
-              <a:t>2/25/11</a:t>
+              <a:t>1/13/17</a:t>
             </a:fld>
             <a:endParaRPr lang="en-US"/>
           </a:p>
@@ -349,7 +366,7 @@
 </file>
 
 <file path=ppt/slideLayouts/slideLayout10.xml><?xml version="1.0" encoding="utf-8"?>
-<p:sldLayout xmlns:a="http://schemas.openxmlformats.org/drawingml/2006/main" xmlns:r="http://schemas.openxmlformats.org/officeDocument/2006/relationships" xmlns:mc="http://schemas.openxmlformats.org/markup-compatibility/2006" xmlns:mv="urn:schemas-microsoft-com:mac:vml" xmlns:p="http://schemas.openxmlformats.org/presentationml/2006/main" mc:Ignorable="mv" mc:PreserveAttributes="mv:*" type="vertTx" preserve="1">
+<p:sldLayout xmlns:a="http://schemas.openxmlformats.org/drawingml/2006/main" xmlns:r="http://schemas.openxmlformats.org/officeDocument/2006/relationships" xmlns:p="http://schemas.openxmlformats.org/presentationml/2006/main" type="vertTx" preserve="1">
   <p:cSld name="Title and Vertical Text">
     <p:spTree>
       <p:nvGrpSpPr>
@@ -458,7 +475,7 @@
             <a:fld id="{BC0F27FA-270D-6E46-9FAB-822F01A0D251}" type="datetimeFigureOut">
               <a:rPr lang="en-US" smtClean="0"/>
               <a:pPr/>
-              <a:t>2/25/11</a:t>
+              <a:t>1/13/17</a:t>
             </a:fld>
             <a:endParaRPr lang="en-US"/>
           </a:p>
@@ -516,7 +533,7 @@
 </file>
 
 <file path=ppt/slideLayouts/slideLayout11.xml><?xml version="1.0" encoding="utf-8"?>
-<p:sldLayout xmlns:a="http://schemas.openxmlformats.org/drawingml/2006/main" xmlns:r="http://schemas.openxmlformats.org/officeDocument/2006/relationships" xmlns:mc="http://schemas.openxmlformats.org/markup-compatibility/2006" xmlns:mv="urn:schemas-microsoft-com:mac:vml" xmlns:p="http://schemas.openxmlformats.org/presentationml/2006/main" mc:Ignorable="mv" mc:PreserveAttributes="mv:*" type="vertTitleAndTx" preserve="1">
+<p:sldLayout xmlns:a="http://schemas.openxmlformats.org/drawingml/2006/main" xmlns:r="http://schemas.openxmlformats.org/officeDocument/2006/relationships" xmlns:p="http://schemas.openxmlformats.org/presentationml/2006/main" type="vertTitleAndTx" preserve="1">
   <p:cSld name="Vertical Title and Text">
     <p:spTree>
       <p:nvGrpSpPr>
@@ -635,7 +652,7 @@
             <a:fld id="{BC0F27FA-270D-6E46-9FAB-822F01A0D251}" type="datetimeFigureOut">
               <a:rPr lang="en-US" smtClean="0"/>
               <a:pPr/>
-              <a:t>2/25/11</a:t>
+              <a:t>1/13/17</a:t>
             </a:fld>
             <a:endParaRPr lang="en-US"/>
           </a:p>
@@ -693,7 +710,7 @@
 </file>
 
 <file path=ppt/slideLayouts/slideLayout2.xml><?xml version="1.0" encoding="utf-8"?>
-<p:sldLayout xmlns:a="http://schemas.openxmlformats.org/drawingml/2006/main" xmlns:r="http://schemas.openxmlformats.org/officeDocument/2006/relationships" xmlns:mc="http://schemas.openxmlformats.org/markup-compatibility/2006" xmlns:mv="urn:schemas-microsoft-com:mac:vml" xmlns:p="http://schemas.openxmlformats.org/presentationml/2006/main" mc:Ignorable="mv" mc:PreserveAttributes="mv:*" type="obj" preserve="1">
+<p:sldLayout xmlns:a="http://schemas.openxmlformats.org/drawingml/2006/main" xmlns:r="http://schemas.openxmlformats.org/officeDocument/2006/relationships" xmlns:p="http://schemas.openxmlformats.org/presentationml/2006/main" type="obj" preserve="1">
   <p:cSld name="Title and Content">
     <p:spTree>
       <p:nvGrpSpPr>
@@ -802,7 +819,7 @@
             <a:fld id="{BC0F27FA-270D-6E46-9FAB-822F01A0D251}" type="datetimeFigureOut">
               <a:rPr lang="en-US" smtClean="0"/>
               <a:pPr/>
-              <a:t>2/25/11</a:t>
+              <a:t>1/13/17</a:t>
             </a:fld>
             <a:endParaRPr lang="en-US"/>
           </a:p>
@@ -860,7 +877,7 @@
 </file>
 
 <file path=ppt/slideLayouts/slideLayout3.xml><?xml version="1.0" encoding="utf-8"?>
-<p:sldLayout xmlns:a="http://schemas.openxmlformats.org/drawingml/2006/main" xmlns:r="http://schemas.openxmlformats.org/officeDocument/2006/relationships" xmlns:mc="http://schemas.openxmlformats.org/markup-compatibility/2006" xmlns:mv="urn:schemas-microsoft-com:mac:vml" xmlns:p="http://schemas.openxmlformats.org/presentationml/2006/main" mc:Ignorable="mv" mc:PreserveAttributes="mv:*" type="secHead" preserve="1">
+<p:sldLayout xmlns:a="http://schemas.openxmlformats.org/drawingml/2006/main" xmlns:r="http://schemas.openxmlformats.org/officeDocument/2006/relationships" xmlns:p="http://schemas.openxmlformats.org/presentationml/2006/main" type="secHead" preserve="1">
   <p:cSld name="Section Header">
     <p:spTree>
       <p:nvGrpSpPr>
@@ -1045,7 +1062,7 @@
             <a:fld id="{BC0F27FA-270D-6E46-9FAB-822F01A0D251}" type="datetimeFigureOut">
               <a:rPr lang="en-US" smtClean="0"/>
               <a:pPr/>
-              <a:t>2/25/11</a:t>
+              <a:t>1/13/17</a:t>
             </a:fld>
             <a:endParaRPr lang="en-US"/>
           </a:p>
@@ -1103,7 +1120,7 @@
 </file>
 
 <file path=ppt/slideLayouts/slideLayout4.xml><?xml version="1.0" encoding="utf-8"?>
-<p:sldLayout xmlns:a="http://schemas.openxmlformats.org/drawingml/2006/main" xmlns:r="http://schemas.openxmlformats.org/officeDocument/2006/relationships" xmlns:mc="http://schemas.openxmlformats.org/markup-compatibility/2006" xmlns:mv="urn:schemas-microsoft-com:mac:vml" xmlns:p="http://schemas.openxmlformats.org/presentationml/2006/main" mc:Ignorable="mv" mc:PreserveAttributes="mv:*" type="twoObj" preserve="1">
+<p:sldLayout xmlns:a="http://schemas.openxmlformats.org/drawingml/2006/main" xmlns:r="http://schemas.openxmlformats.org/officeDocument/2006/relationships" xmlns:p="http://schemas.openxmlformats.org/presentationml/2006/main" type="twoObj" preserve="1">
   <p:cSld name="Two Content">
     <p:spTree>
       <p:nvGrpSpPr>
@@ -1330,7 +1347,7 @@
             <a:fld id="{BC0F27FA-270D-6E46-9FAB-822F01A0D251}" type="datetimeFigureOut">
               <a:rPr lang="en-US" smtClean="0"/>
               <a:pPr/>
-              <a:t>2/25/11</a:t>
+              <a:t>1/13/17</a:t>
             </a:fld>
             <a:endParaRPr lang="en-US"/>
           </a:p>
@@ -1388,7 +1405,7 @@
 </file>
 
 <file path=ppt/slideLayouts/slideLayout5.xml><?xml version="1.0" encoding="utf-8"?>
-<p:sldLayout xmlns:a="http://schemas.openxmlformats.org/drawingml/2006/main" xmlns:r="http://schemas.openxmlformats.org/officeDocument/2006/relationships" xmlns:mc="http://schemas.openxmlformats.org/markup-compatibility/2006" xmlns:mv="urn:schemas-microsoft-com:mac:vml" xmlns:p="http://schemas.openxmlformats.org/presentationml/2006/main" mc:Ignorable="mv" mc:PreserveAttributes="mv:*" type="twoTxTwoObj" preserve="1">
+<p:sldLayout xmlns:a="http://schemas.openxmlformats.org/drawingml/2006/main" xmlns:r="http://schemas.openxmlformats.org/officeDocument/2006/relationships" xmlns:p="http://schemas.openxmlformats.org/presentationml/2006/main" type="twoTxTwoObj" preserve="1">
   <p:cSld name="Comparison">
     <p:spTree>
       <p:nvGrpSpPr>
@@ -1749,7 +1766,7 @@
             <a:fld id="{BC0F27FA-270D-6E46-9FAB-822F01A0D251}" type="datetimeFigureOut">
               <a:rPr lang="en-US" smtClean="0"/>
               <a:pPr/>
-              <a:t>2/25/11</a:t>
+              <a:t>1/13/17</a:t>
             </a:fld>
             <a:endParaRPr lang="en-US"/>
           </a:p>
@@ -1807,7 +1824,7 @@
 </file>
 
 <file path=ppt/slideLayouts/slideLayout6.xml><?xml version="1.0" encoding="utf-8"?>
-<p:sldLayout xmlns:a="http://schemas.openxmlformats.org/drawingml/2006/main" xmlns:r="http://schemas.openxmlformats.org/officeDocument/2006/relationships" xmlns:mc="http://schemas.openxmlformats.org/markup-compatibility/2006" xmlns:mv="urn:schemas-microsoft-com:mac:vml" xmlns:p="http://schemas.openxmlformats.org/presentationml/2006/main" mc:Ignorable="mv" mc:PreserveAttributes="mv:*" type="titleOnly" preserve="1">
+<p:sldLayout xmlns:a="http://schemas.openxmlformats.org/drawingml/2006/main" xmlns:r="http://schemas.openxmlformats.org/officeDocument/2006/relationships" xmlns:p="http://schemas.openxmlformats.org/presentationml/2006/main" type="titleOnly" preserve="1">
   <p:cSld name="Title Only">
     <p:spTree>
       <p:nvGrpSpPr>
@@ -1864,7 +1881,7 @@
             <a:fld id="{BC0F27FA-270D-6E46-9FAB-822F01A0D251}" type="datetimeFigureOut">
               <a:rPr lang="en-US" smtClean="0"/>
               <a:pPr/>
-              <a:t>2/25/11</a:t>
+              <a:t>1/13/17</a:t>
             </a:fld>
             <a:endParaRPr lang="en-US"/>
           </a:p>
@@ -1922,7 +1939,7 @@
 </file>
 
 <file path=ppt/slideLayouts/slideLayout7.xml><?xml version="1.0" encoding="utf-8"?>
-<p:sldLayout xmlns:a="http://schemas.openxmlformats.org/drawingml/2006/main" xmlns:r="http://schemas.openxmlformats.org/officeDocument/2006/relationships" xmlns:mc="http://schemas.openxmlformats.org/markup-compatibility/2006" xmlns:mv="urn:schemas-microsoft-com:mac:vml" xmlns:p="http://schemas.openxmlformats.org/presentationml/2006/main" mc:Ignorable="mv" mc:PreserveAttributes="mv:*" type="blank" preserve="1">
+<p:sldLayout xmlns:a="http://schemas.openxmlformats.org/drawingml/2006/main" xmlns:r="http://schemas.openxmlformats.org/officeDocument/2006/relationships" xmlns:p="http://schemas.openxmlformats.org/presentationml/2006/main" type="blank" preserve="1">
   <p:cSld name="Blank">
     <p:spTree>
       <p:nvGrpSpPr>
@@ -1956,7 +1973,7 @@
             <a:fld id="{BC0F27FA-270D-6E46-9FAB-822F01A0D251}" type="datetimeFigureOut">
               <a:rPr lang="en-US" smtClean="0"/>
               <a:pPr/>
-              <a:t>2/25/11</a:t>
+              <a:t>1/13/17</a:t>
             </a:fld>
             <a:endParaRPr lang="en-US"/>
           </a:p>
@@ -2014,7 +2031,7 @@
 </file>
 
 <file path=ppt/slideLayouts/slideLayout8.xml><?xml version="1.0" encoding="utf-8"?>
-<p:sldLayout xmlns:a="http://schemas.openxmlformats.org/drawingml/2006/main" xmlns:r="http://schemas.openxmlformats.org/officeDocument/2006/relationships" xmlns:mc="http://schemas.openxmlformats.org/markup-compatibility/2006" xmlns:mv="urn:schemas-microsoft-com:mac:vml" xmlns:p="http://schemas.openxmlformats.org/presentationml/2006/main" mc:Ignorable="mv" mc:PreserveAttributes="mv:*" type="objTx" preserve="1">
+<p:sldLayout xmlns:a="http://schemas.openxmlformats.org/drawingml/2006/main" xmlns:r="http://schemas.openxmlformats.org/officeDocument/2006/relationships" xmlns:p="http://schemas.openxmlformats.org/presentationml/2006/main" type="objTx" preserve="1">
   <p:cSld name="Content with Caption">
     <p:spTree>
       <p:nvGrpSpPr>
@@ -2230,7 +2247,7 @@
             <a:fld id="{BC0F27FA-270D-6E46-9FAB-822F01A0D251}" type="datetimeFigureOut">
               <a:rPr lang="en-US" smtClean="0"/>
               <a:pPr/>
-              <a:t>2/25/11</a:t>
+              <a:t>1/13/17</a:t>
             </a:fld>
             <a:endParaRPr lang="en-US"/>
           </a:p>
@@ -2288,7 +2305,7 @@
 </file>
 
 <file path=ppt/slideLayouts/slideLayout9.xml><?xml version="1.0" encoding="utf-8"?>
-<p:sldLayout xmlns:a="http://schemas.openxmlformats.org/drawingml/2006/main" xmlns:r="http://schemas.openxmlformats.org/officeDocument/2006/relationships" xmlns:mc="http://schemas.openxmlformats.org/markup-compatibility/2006" xmlns:mv="urn:schemas-microsoft-com:mac:vml" xmlns:p="http://schemas.openxmlformats.org/presentationml/2006/main" mc:Ignorable="mv" mc:PreserveAttributes="mv:*" type="picTx" preserve="1">
+<p:sldLayout xmlns:a="http://schemas.openxmlformats.org/drawingml/2006/main" xmlns:r="http://schemas.openxmlformats.org/officeDocument/2006/relationships" xmlns:p="http://schemas.openxmlformats.org/presentationml/2006/main" type="picTx" preserve="1">
   <p:cSld name="Picture with Caption">
     <p:spTree>
       <p:nvGrpSpPr>
@@ -2480,7 +2497,7 @@
             <a:fld id="{BC0F27FA-270D-6E46-9FAB-822F01A0D251}" type="datetimeFigureOut">
               <a:rPr lang="en-US" smtClean="0"/>
               <a:pPr/>
-              <a:t>2/25/11</a:t>
+              <a:t>1/13/17</a:t>
             </a:fld>
             <a:endParaRPr lang="en-US"/>
           </a:p>
@@ -2538,7 +2555,7 @@
 </file>
 
 <file path=ppt/slideMasters/slideMaster1.xml><?xml version="1.0" encoding="utf-8"?>
-<p:sldMaster xmlns:a="http://schemas.openxmlformats.org/drawingml/2006/main" xmlns:r="http://schemas.openxmlformats.org/officeDocument/2006/relationships" xmlns:mc="http://schemas.openxmlformats.org/markup-compatibility/2006" xmlns:mv="urn:schemas-microsoft-com:mac:vml" xmlns:p="http://schemas.openxmlformats.org/presentationml/2006/main" mc:Ignorable="mv" mc:PreserveAttributes="mv:*">
+<p:sldMaster xmlns:a="http://schemas.openxmlformats.org/drawingml/2006/main" xmlns:r="http://schemas.openxmlformats.org/officeDocument/2006/relationships" xmlns:p="http://schemas.openxmlformats.org/presentationml/2006/main">
   <p:cSld>
     <p:bg>
       <p:bgRef idx="1001">
@@ -2690,7 +2707,7 @@
             <a:fld id="{BC0F27FA-270D-6E46-9FAB-822F01A0D251}" type="datetimeFigureOut">
               <a:rPr lang="en-US" smtClean="0"/>
               <a:pPr/>
-              <a:t>2/25/11</a:t>
+              <a:t>1/13/17</a:t>
             </a:fld>
             <a:endParaRPr lang="en-US"/>
           </a:p>
@@ -3045,7 +3062,7 @@
 </file>
 
 <file path=ppt/slides/slide1.xml><?xml version="1.0" encoding="utf-8"?>
-<p:sld xmlns:a="http://schemas.openxmlformats.org/drawingml/2006/main" xmlns:r="http://schemas.openxmlformats.org/officeDocument/2006/relationships" xmlns:mc="http://schemas.openxmlformats.org/markup-compatibility/2006" xmlns:mv="urn:schemas-microsoft-com:mac:vml" xmlns:p="http://schemas.openxmlformats.org/presentationml/2006/main" mc:Ignorable="mv" mc:PreserveAttributes="mv:*">
+<p:sld xmlns:a="http://schemas.openxmlformats.org/drawingml/2006/main" xmlns:r="http://schemas.openxmlformats.org/officeDocument/2006/relationships" xmlns:p="http://schemas.openxmlformats.org/presentationml/2006/main">
   <p:cSld>
     <p:spTree>
       <p:nvGrpSpPr>
@@ -3231,7 +3248,7 @@
 </file>
 
 <file path=ppt/slides/slide2.xml><?xml version="1.0" encoding="utf-8"?>
-<p:sld xmlns:a="http://schemas.openxmlformats.org/drawingml/2006/main" xmlns:r="http://schemas.openxmlformats.org/officeDocument/2006/relationships" xmlns:mc="http://schemas.openxmlformats.org/markup-compatibility/2006" xmlns:mv="urn:schemas-microsoft-com:mac:vml" xmlns:p="http://schemas.openxmlformats.org/presentationml/2006/main" mc:Ignorable="mv" mc:PreserveAttributes="mv:*">
+<p:sld xmlns:a="http://schemas.openxmlformats.org/drawingml/2006/main" xmlns:r="http://schemas.openxmlformats.org/officeDocument/2006/relationships" xmlns:p="http://schemas.openxmlformats.org/presentationml/2006/main">
   <p:cSld>
     <p:spTree>
       <p:nvGrpSpPr>
@@ -3417,7 +3434,7 @@
 </file>
 
 <file path=ppt/slides/slide3.xml><?xml version="1.0" encoding="utf-8"?>
-<p:sld xmlns:a="http://schemas.openxmlformats.org/drawingml/2006/main" xmlns:r="http://schemas.openxmlformats.org/officeDocument/2006/relationships" xmlns:mc="http://schemas.openxmlformats.org/markup-compatibility/2006" xmlns:mv="urn:schemas-microsoft-com:mac:vml" xmlns:p="http://schemas.openxmlformats.org/presentationml/2006/main" mc:Ignorable="mv" mc:PreserveAttributes="mv:*">
+<p:sld xmlns:a="http://schemas.openxmlformats.org/drawingml/2006/main" xmlns:r="http://schemas.openxmlformats.org/officeDocument/2006/relationships" xmlns:p="http://schemas.openxmlformats.org/presentationml/2006/main">
   <p:cSld>
     <p:spTree>
       <p:nvGrpSpPr>
@@ -3589,6 +3606,202 @@
         </p:spPr>
       </p:pic>
     </p:spTree>
+  </p:cSld>
+  <p:clrMapOvr>
+    <a:masterClrMapping/>
+  </p:clrMapOvr>
+  <p:timing>
+    <p:tnLst>
+      <p:par>
+        <p:cTn id="1" dur="indefinite" restart="never" nodeType="tmRoot"/>
+      </p:par>
+    </p:tnLst>
+  </p:timing>
+</p:sld>
+</file>
+
+<file path=ppt/slides/slide4.xml><?xml version="1.0" encoding="utf-8"?>
+<p:sld xmlns:a="http://schemas.openxmlformats.org/drawingml/2006/main" xmlns:r="http://schemas.openxmlformats.org/officeDocument/2006/relationships" xmlns:p="http://schemas.openxmlformats.org/presentationml/2006/main">
+  <p:cSld>
+    <p:spTree>
+      <p:nvGrpSpPr>
+        <p:cNvPr id="1" name=""/>
+        <p:cNvGrpSpPr/>
+        <p:nvPr/>
+      </p:nvGrpSpPr>
+      <p:grpSpPr>
+        <a:xfrm>
+          <a:off x="0" y="0"/>
+          <a:ext cx="0" cy="0"/>
+          <a:chOff x="0" y="0"/>
+          <a:chExt cx="0" cy="0"/>
+        </a:xfrm>
+      </p:grpSpPr>
+      <p:sp>
+        <p:nvSpPr>
+          <p:cNvPr id="2" name="Title 1"/>
+          <p:cNvSpPr>
+            <a:spLocks noGrp="1"/>
+          </p:cNvSpPr>
+          <p:nvPr>
+            <p:ph type="title"/>
+          </p:nvPr>
+        </p:nvSpPr>
+        <p:spPr/>
+        <p:txBody>
+          <a:bodyPr>
+            <a:normAutofit fontScale="90000"/>
+          </a:bodyPr>
+          <a:lstStyle/>
+          <a:p>
+            <a:endParaRPr lang="en-US"/>
+          </a:p>
+        </p:txBody>
+      </p:sp>
+      <p:pic>
+        <p:nvPicPr>
+          <p:cNvPr id="7" name="Content Placeholder 6" descr="home_background_0.jpg"/>
+          <p:cNvPicPr>
+            <a:picLocks noGrp="1" noChangeAspect="1"/>
+          </p:cNvPicPr>
+          <p:nvPr>
+            <p:ph idx="1"/>
+          </p:nvPr>
+        </p:nvPicPr>
+        <p:blipFill>
+          <a:blip r:embed="rId2"/>
+          <a:srcRect t="-4197" b="-4197"/>
+          <a:stretch>
+            <a:fillRect/>
+          </a:stretch>
+        </p:blipFill>
+        <p:spPr/>
+      </p:pic>
+      <p:sp>
+        <p:nvSpPr>
+          <p:cNvPr id="5" name="Rectangle 4"/>
+          <p:cNvSpPr/>
+          <p:nvPr/>
+        </p:nvSpPr>
+        <p:spPr>
+          <a:xfrm>
+            <a:off x="5568950" y="1993392"/>
+            <a:ext cx="3435350" cy="3657600"/>
+          </a:xfrm>
+          <a:prstGeom prst="rect">
+            <a:avLst/>
+          </a:prstGeom>
+          <a:solidFill>
+            <a:schemeClr val="bg1"/>
+          </a:solidFill>
+          <a:ln>
+            <a:noFill/>
+          </a:ln>
+          <a:effectLst/>
+        </p:spPr>
+        <p:style>
+          <a:lnRef idx="1">
+            <a:schemeClr val="accent1"/>
+          </a:lnRef>
+          <a:fillRef idx="3">
+            <a:schemeClr val="accent1"/>
+          </a:fillRef>
+          <a:effectRef idx="2">
+            <a:schemeClr val="accent1"/>
+          </a:effectRef>
+          <a:fontRef idx="minor">
+            <a:schemeClr val="lt1"/>
+          </a:fontRef>
+        </p:style>
+        <p:txBody>
+          <a:bodyPr lIns="91409" tIns="45703" rIns="91409" bIns="45703" rtlCol="0" anchor="ctr"/>
+          <a:lstStyle/>
+          <a:p>
+            <a:pPr algn="ctr"/>
+            <a:endParaRPr lang="en-US"/>
+          </a:p>
+        </p:txBody>
+      </p:sp>
+      <p:sp>
+        <p:nvSpPr>
+          <p:cNvPr id="6" name="Rectangle 5"/>
+          <p:cNvSpPr/>
+          <p:nvPr/>
+        </p:nvSpPr>
+        <p:spPr>
+          <a:xfrm>
+            <a:off x="7299908" y="1600200"/>
+            <a:ext cx="1297991" cy="3657600"/>
+          </a:xfrm>
+          <a:prstGeom prst="rect">
+            <a:avLst/>
+          </a:prstGeom>
+          <a:solidFill>
+            <a:schemeClr val="bg1"/>
+          </a:solidFill>
+          <a:ln>
+            <a:noFill/>
+          </a:ln>
+          <a:effectLst/>
+        </p:spPr>
+        <p:style>
+          <a:lnRef idx="1">
+            <a:schemeClr val="accent1"/>
+          </a:lnRef>
+          <a:fillRef idx="3">
+            <a:schemeClr val="accent1"/>
+          </a:fillRef>
+          <a:effectRef idx="2">
+            <a:schemeClr val="accent1"/>
+          </a:effectRef>
+          <a:fontRef idx="minor">
+            <a:schemeClr val="lt1"/>
+          </a:fontRef>
+        </p:style>
+        <p:txBody>
+          <a:bodyPr lIns="91409" tIns="45703" rIns="91409" bIns="45703" rtlCol="0" anchor="ctr"/>
+          <a:lstStyle/>
+          <a:p>
+            <a:pPr algn="ctr"/>
+            <a:endParaRPr lang="en-US"/>
+          </a:p>
+        </p:txBody>
+      </p:sp>
+      <p:pic>
+        <p:nvPicPr>
+          <p:cNvPr id="3" name="Picture 2"/>
+          <p:cNvPicPr>
+            <a:picLocks noChangeAspect="1"/>
+          </p:cNvPicPr>
+          <p:nvPr/>
+        </p:nvPicPr>
+        <p:blipFill rotWithShape="1">
+          <a:blip r:embed="rId3">
+            <a:extLst>
+              <a:ext uri="{28A0092B-C50C-407E-A947-70E740481C1C}">
+                <a14:useLocalDpi xmlns:a14="http://schemas.microsoft.com/office/drawing/2010/main" val="0"/>
+              </a:ext>
+            </a:extLst>
+          </a:blip>
+          <a:srcRect l="2792"/>
+          <a:stretch/>
+        </p:blipFill>
+        <p:spPr>
+          <a:xfrm>
+            <a:off x="4648198" y="1993392"/>
+            <a:ext cx="2652288" cy="2959355"/>
+          </a:xfrm>
+          <a:prstGeom prst="rect">
+            <a:avLst/>
+          </a:prstGeom>
+        </p:spPr>
+      </p:pic>
+    </p:spTree>
+    <p:extLst>
+      <p:ext uri="{BB962C8B-B14F-4D97-AF65-F5344CB8AC3E}">
+        <p14:creationId xmlns:p14="http://schemas.microsoft.com/office/powerpoint/2010/main" val="780220550"/>
+      </p:ext>
+    </p:extLst>
   </p:cSld>
   <p:clrMapOvr>
     <a:masterClrMapping/>

--- a/images/home_background/home_background.pptx
+++ b/images/home_background/home_background.pptx
@@ -9,6 +9,7 @@
     <p:sldId id="259" r:id="rId3"/>
     <p:sldId id="260" r:id="rId4"/>
     <p:sldId id="261" r:id="rId5"/>
+    <p:sldId id="263" r:id="rId6"/>
   </p:sldIdLst>
   <p:sldSz cx="9144000" cy="6858000" type="screen4x3"/>
   <p:notesSz cx="6858000" cy="9144000"/>
@@ -164,10 +165,9 @@
           <a:lstStyle/>
           <a:p>
             <a:r>
-              <a:rPr lang="en-US" smtClean="0"/>
+              <a:rPr lang="en-US"/>
               <a:t>Click to edit Master title style</a:t>
             </a:r>
-            <a:endParaRPr lang="en-US"/>
           </a:p>
         </p:txBody>
       </p:sp>
@@ -283,10 +283,9 @@
           </a:lstStyle>
           <a:p>
             <a:r>
-              <a:rPr lang="en-US" smtClean="0"/>
+              <a:rPr lang="en-US"/>
               <a:t>Click to edit Master subtitle style</a:t>
             </a:r>
-            <a:endParaRPr lang="en-US"/>
           </a:p>
         </p:txBody>
       </p:sp>
@@ -308,7 +307,7 @@
             <a:fld id="{BC0F27FA-270D-6E46-9FAB-822F01A0D251}" type="datetimeFigureOut">
               <a:rPr lang="en-US" smtClean="0"/>
               <a:pPr/>
-              <a:t>1/13/17</a:t>
+              <a:t>7/24/19</a:t>
             </a:fld>
             <a:endParaRPr lang="en-US"/>
           </a:p>
@@ -398,10 +397,9 @@
           <a:lstStyle/>
           <a:p>
             <a:r>
-              <a:rPr lang="en-US" smtClean="0"/>
+              <a:rPr lang="en-US"/>
               <a:t>Click to edit Master title style</a:t>
             </a:r>
-            <a:endParaRPr lang="en-US"/>
           </a:p>
         </p:txBody>
       </p:sp>
@@ -422,38 +420,37 @@
           <a:p>
             <a:pPr lvl="0"/>
             <a:r>
-              <a:rPr lang="en-US" smtClean="0"/>
+              <a:rPr lang="en-US"/>
               <a:t>Click to edit Master text styles</a:t>
             </a:r>
           </a:p>
           <a:p>
             <a:pPr lvl="1"/>
             <a:r>
-              <a:rPr lang="en-US" smtClean="0"/>
+              <a:rPr lang="en-US"/>
               <a:t>Second level</a:t>
             </a:r>
           </a:p>
           <a:p>
             <a:pPr lvl="2"/>
             <a:r>
-              <a:rPr lang="en-US" smtClean="0"/>
+              <a:rPr lang="en-US"/>
               <a:t>Third level</a:t>
             </a:r>
           </a:p>
           <a:p>
             <a:pPr lvl="3"/>
             <a:r>
-              <a:rPr lang="en-US" smtClean="0"/>
+              <a:rPr lang="en-US"/>
               <a:t>Fourth level</a:t>
             </a:r>
           </a:p>
           <a:p>
             <a:pPr lvl="4"/>
             <a:r>
-              <a:rPr lang="en-US" smtClean="0"/>
+              <a:rPr lang="en-US"/>
               <a:t>Fifth level</a:t>
             </a:r>
-            <a:endParaRPr lang="en-US"/>
           </a:p>
         </p:txBody>
       </p:sp>
@@ -475,7 +472,7 @@
             <a:fld id="{BC0F27FA-270D-6E46-9FAB-822F01A0D251}" type="datetimeFigureOut">
               <a:rPr lang="en-US" smtClean="0"/>
               <a:pPr/>
-              <a:t>1/13/17</a:t>
+              <a:t>7/24/19</a:t>
             </a:fld>
             <a:endParaRPr lang="en-US"/>
           </a:p>
@@ -570,10 +567,9 @@
           <a:lstStyle/>
           <a:p>
             <a:r>
-              <a:rPr lang="en-US" smtClean="0"/>
+              <a:rPr lang="en-US"/>
               <a:t>Click to edit Master title style</a:t>
             </a:r>
-            <a:endParaRPr lang="en-US"/>
           </a:p>
         </p:txBody>
       </p:sp>
@@ -599,38 +595,37 @@
           <a:p>
             <a:pPr lvl="0"/>
             <a:r>
-              <a:rPr lang="en-US" smtClean="0"/>
+              <a:rPr lang="en-US"/>
               <a:t>Click to edit Master text styles</a:t>
             </a:r>
           </a:p>
           <a:p>
             <a:pPr lvl="1"/>
             <a:r>
-              <a:rPr lang="en-US" smtClean="0"/>
+              <a:rPr lang="en-US"/>
               <a:t>Second level</a:t>
             </a:r>
           </a:p>
           <a:p>
             <a:pPr lvl="2"/>
             <a:r>
-              <a:rPr lang="en-US" smtClean="0"/>
+              <a:rPr lang="en-US"/>
               <a:t>Third level</a:t>
             </a:r>
           </a:p>
           <a:p>
             <a:pPr lvl="3"/>
             <a:r>
-              <a:rPr lang="en-US" smtClean="0"/>
+              <a:rPr lang="en-US"/>
               <a:t>Fourth level</a:t>
             </a:r>
           </a:p>
           <a:p>
             <a:pPr lvl="4"/>
             <a:r>
-              <a:rPr lang="en-US" smtClean="0"/>
+              <a:rPr lang="en-US"/>
               <a:t>Fifth level</a:t>
             </a:r>
-            <a:endParaRPr lang="en-US"/>
           </a:p>
         </p:txBody>
       </p:sp>
@@ -652,7 +647,7 @@
             <a:fld id="{BC0F27FA-270D-6E46-9FAB-822F01A0D251}" type="datetimeFigureOut">
               <a:rPr lang="en-US" smtClean="0"/>
               <a:pPr/>
-              <a:t>1/13/17</a:t>
+              <a:t>7/24/19</a:t>
             </a:fld>
             <a:endParaRPr lang="en-US"/>
           </a:p>
@@ -742,10 +737,9 @@
           <a:lstStyle/>
           <a:p>
             <a:r>
-              <a:rPr lang="en-US" smtClean="0"/>
+              <a:rPr lang="en-US"/>
               <a:t>Click to edit Master title style</a:t>
             </a:r>
-            <a:endParaRPr lang="en-US"/>
           </a:p>
         </p:txBody>
       </p:sp>
@@ -766,38 +760,37 @@
           <a:p>
             <a:pPr lvl="0"/>
             <a:r>
-              <a:rPr lang="en-US" smtClean="0"/>
+              <a:rPr lang="en-US"/>
               <a:t>Click to edit Master text styles</a:t>
             </a:r>
           </a:p>
           <a:p>
             <a:pPr lvl="1"/>
             <a:r>
-              <a:rPr lang="en-US" smtClean="0"/>
+              <a:rPr lang="en-US"/>
               <a:t>Second level</a:t>
             </a:r>
           </a:p>
           <a:p>
             <a:pPr lvl="2"/>
             <a:r>
-              <a:rPr lang="en-US" smtClean="0"/>
+              <a:rPr lang="en-US"/>
               <a:t>Third level</a:t>
             </a:r>
           </a:p>
           <a:p>
             <a:pPr lvl="3"/>
             <a:r>
-              <a:rPr lang="en-US" smtClean="0"/>
+              <a:rPr lang="en-US"/>
               <a:t>Fourth level</a:t>
             </a:r>
           </a:p>
           <a:p>
             <a:pPr lvl="4"/>
             <a:r>
-              <a:rPr lang="en-US" smtClean="0"/>
+              <a:rPr lang="en-US"/>
               <a:t>Fifth level</a:t>
             </a:r>
-            <a:endParaRPr lang="en-US"/>
           </a:p>
         </p:txBody>
       </p:sp>
@@ -819,7 +812,7 @@
             <a:fld id="{BC0F27FA-270D-6E46-9FAB-822F01A0D251}" type="datetimeFigureOut">
               <a:rPr lang="en-US" smtClean="0"/>
               <a:pPr/>
-              <a:t>1/13/17</a:t>
+              <a:t>7/24/19</a:t>
             </a:fld>
             <a:endParaRPr lang="en-US"/>
           </a:p>
@@ -918,10 +911,9 @@
           </a:lstStyle>
           <a:p>
             <a:r>
-              <a:rPr lang="en-US" smtClean="0"/>
+              <a:rPr lang="en-US"/>
               <a:t>Click to edit Master title style</a:t>
             </a:r>
-            <a:endParaRPr lang="en-US"/>
           </a:p>
         </p:txBody>
       </p:sp>
@@ -1038,7 +1030,7 @@
           <a:p>
             <a:pPr lvl="0"/>
             <a:r>
-              <a:rPr lang="en-US" smtClean="0"/>
+              <a:rPr lang="en-US"/>
               <a:t>Click to edit Master text styles</a:t>
             </a:r>
           </a:p>
@@ -1062,7 +1054,7 @@
             <a:fld id="{BC0F27FA-270D-6E46-9FAB-822F01A0D251}" type="datetimeFigureOut">
               <a:rPr lang="en-US" smtClean="0"/>
               <a:pPr/>
-              <a:t>1/13/17</a:t>
+              <a:t>7/24/19</a:t>
             </a:fld>
             <a:endParaRPr lang="en-US"/>
           </a:p>
@@ -1152,10 +1144,9 @@
           <a:lstStyle/>
           <a:p>
             <a:r>
-              <a:rPr lang="en-US" smtClean="0"/>
+              <a:rPr lang="en-US"/>
               <a:t>Click to edit Master title style</a:t>
             </a:r>
-            <a:endParaRPr lang="en-US"/>
           </a:p>
         </p:txBody>
       </p:sp>
@@ -1209,38 +1200,37 @@
           <a:p>
             <a:pPr lvl="0"/>
             <a:r>
-              <a:rPr lang="en-US" smtClean="0"/>
+              <a:rPr lang="en-US"/>
               <a:t>Click to edit Master text styles</a:t>
             </a:r>
           </a:p>
           <a:p>
             <a:pPr lvl="1"/>
             <a:r>
-              <a:rPr lang="en-US" smtClean="0"/>
+              <a:rPr lang="en-US"/>
               <a:t>Second level</a:t>
             </a:r>
           </a:p>
           <a:p>
             <a:pPr lvl="2"/>
             <a:r>
-              <a:rPr lang="en-US" smtClean="0"/>
+              <a:rPr lang="en-US"/>
               <a:t>Third level</a:t>
             </a:r>
           </a:p>
           <a:p>
             <a:pPr lvl="3"/>
             <a:r>
-              <a:rPr lang="en-US" smtClean="0"/>
+              <a:rPr lang="en-US"/>
               <a:t>Fourth level</a:t>
             </a:r>
           </a:p>
           <a:p>
             <a:pPr lvl="4"/>
             <a:r>
-              <a:rPr lang="en-US" smtClean="0"/>
+              <a:rPr lang="en-US"/>
               <a:t>Fifth level</a:t>
             </a:r>
-            <a:endParaRPr lang="en-US"/>
           </a:p>
         </p:txBody>
       </p:sp>
@@ -1294,38 +1284,37 @@
           <a:p>
             <a:pPr lvl="0"/>
             <a:r>
-              <a:rPr lang="en-US" smtClean="0"/>
+              <a:rPr lang="en-US"/>
               <a:t>Click to edit Master text styles</a:t>
             </a:r>
           </a:p>
           <a:p>
             <a:pPr lvl="1"/>
             <a:r>
-              <a:rPr lang="en-US" smtClean="0"/>
+              <a:rPr lang="en-US"/>
               <a:t>Second level</a:t>
             </a:r>
           </a:p>
           <a:p>
             <a:pPr lvl="2"/>
             <a:r>
-              <a:rPr lang="en-US" smtClean="0"/>
+              <a:rPr lang="en-US"/>
               <a:t>Third level</a:t>
             </a:r>
           </a:p>
           <a:p>
             <a:pPr lvl="3"/>
             <a:r>
-              <a:rPr lang="en-US" smtClean="0"/>
+              <a:rPr lang="en-US"/>
               <a:t>Fourth level</a:t>
             </a:r>
           </a:p>
           <a:p>
             <a:pPr lvl="4"/>
             <a:r>
-              <a:rPr lang="en-US" smtClean="0"/>
+              <a:rPr lang="en-US"/>
               <a:t>Fifth level</a:t>
             </a:r>
-            <a:endParaRPr lang="en-US"/>
           </a:p>
         </p:txBody>
       </p:sp>
@@ -1347,7 +1336,7 @@
             <a:fld id="{BC0F27FA-270D-6E46-9FAB-822F01A0D251}" type="datetimeFigureOut">
               <a:rPr lang="en-US" smtClean="0"/>
               <a:pPr/>
-              <a:t>1/13/17</a:t>
+              <a:t>7/24/19</a:t>
             </a:fld>
             <a:endParaRPr lang="en-US"/>
           </a:p>
@@ -1441,10 +1430,9 @@
           </a:lstStyle>
           <a:p>
             <a:r>
-              <a:rPr lang="en-US" smtClean="0"/>
+              <a:rPr lang="en-US"/>
               <a:t>Click to edit Master title style</a:t>
             </a:r>
-            <a:endParaRPr lang="en-US"/>
           </a:p>
         </p:txBody>
       </p:sp>
@@ -1507,7 +1495,7 @@
           <a:p>
             <a:pPr lvl="0"/>
             <a:r>
-              <a:rPr lang="en-US" smtClean="0"/>
+              <a:rPr lang="en-US"/>
               <a:t>Click to edit Master text styles</a:t>
             </a:r>
           </a:p>
@@ -1563,38 +1551,37 @@
           <a:p>
             <a:pPr lvl="0"/>
             <a:r>
-              <a:rPr lang="en-US" smtClean="0"/>
+              <a:rPr lang="en-US"/>
               <a:t>Click to edit Master text styles</a:t>
             </a:r>
           </a:p>
           <a:p>
             <a:pPr lvl="1"/>
             <a:r>
-              <a:rPr lang="en-US" smtClean="0"/>
+              <a:rPr lang="en-US"/>
               <a:t>Second level</a:t>
             </a:r>
           </a:p>
           <a:p>
             <a:pPr lvl="2"/>
             <a:r>
-              <a:rPr lang="en-US" smtClean="0"/>
+              <a:rPr lang="en-US"/>
               <a:t>Third level</a:t>
             </a:r>
           </a:p>
           <a:p>
             <a:pPr lvl="3"/>
             <a:r>
-              <a:rPr lang="en-US" smtClean="0"/>
+              <a:rPr lang="en-US"/>
               <a:t>Fourth level</a:t>
             </a:r>
           </a:p>
           <a:p>
             <a:pPr lvl="4"/>
             <a:r>
-              <a:rPr lang="en-US" smtClean="0"/>
+              <a:rPr lang="en-US"/>
               <a:t>Fifth level</a:t>
             </a:r>
-            <a:endParaRPr lang="en-US"/>
           </a:p>
         </p:txBody>
       </p:sp>
@@ -1657,7 +1644,7 @@
           <a:p>
             <a:pPr lvl="0"/>
             <a:r>
-              <a:rPr lang="en-US" smtClean="0"/>
+              <a:rPr lang="en-US"/>
               <a:t>Click to edit Master text styles</a:t>
             </a:r>
           </a:p>
@@ -1713,38 +1700,37 @@
           <a:p>
             <a:pPr lvl="0"/>
             <a:r>
-              <a:rPr lang="en-US" smtClean="0"/>
+              <a:rPr lang="en-US"/>
               <a:t>Click to edit Master text styles</a:t>
             </a:r>
           </a:p>
           <a:p>
             <a:pPr lvl="1"/>
             <a:r>
-              <a:rPr lang="en-US" smtClean="0"/>
+              <a:rPr lang="en-US"/>
               <a:t>Second level</a:t>
             </a:r>
           </a:p>
           <a:p>
             <a:pPr lvl="2"/>
             <a:r>
-              <a:rPr lang="en-US" smtClean="0"/>
+              <a:rPr lang="en-US"/>
               <a:t>Third level</a:t>
             </a:r>
           </a:p>
           <a:p>
             <a:pPr lvl="3"/>
             <a:r>
-              <a:rPr lang="en-US" smtClean="0"/>
+              <a:rPr lang="en-US"/>
               <a:t>Fourth level</a:t>
             </a:r>
           </a:p>
           <a:p>
             <a:pPr lvl="4"/>
             <a:r>
-              <a:rPr lang="en-US" smtClean="0"/>
+              <a:rPr lang="en-US"/>
               <a:t>Fifth level</a:t>
             </a:r>
-            <a:endParaRPr lang="en-US"/>
           </a:p>
         </p:txBody>
       </p:sp>
@@ -1766,7 +1752,7 @@
             <a:fld id="{BC0F27FA-270D-6E46-9FAB-822F01A0D251}" type="datetimeFigureOut">
               <a:rPr lang="en-US" smtClean="0"/>
               <a:pPr/>
-              <a:t>1/13/17</a:t>
+              <a:t>7/24/19</a:t>
             </a:fld>
             <a:endParaRPr lang="en-US"/>
           </a:p>
@@ -1856,10 +1842,9 @@
           <a:lstStyle/>
           <a:p>
             <a:r>
-              <a:rPr lang="en-US" smtClean="0"/>
+              <a:rPr lang="en-US"/>
               <a:t>Click to edit Master title style</a:t>
             </a:r>
-            <a:endParaRPr lang="en-US"/>
           </a:p>
         </p:txBody>
       </p:sp>
@@ -1881,7 +1866,7 @@
             <a:fld id="{BC0F27FA-270D-6E46-9FAB-822F01A0D251}" type="datetimeFigureOut">
               <a:rPr lang="en-US" smtClean="0"/>
               <a:pPr/>
-              <a:t>1/13/17</a:t>
+              <a:t>7/24/19</a:t>
             </a:fld>
             <a:endParaRPr lang="en-US"/>
           </a:p>
@@ -1973,7 +1958,7 @@
             <a:fld id="{BC0F27FA-270D-6E46-9FAB-822F01A0D251}" type="datetimeFigureOut">
               <a:rPr lang="en-US" smtClean="0"/>
               <a:pPr/>
-              <a:t>1/13/17</a:t>
+              <a:t>7/24/19</a:t>
             </a:fld>
             <a:endParaRPr lang="en-US"/>
           </a:p>
@@ -2072,10 +2057,9 @@
           </a:lstStyle>
           <a:p>
             <a:r>
-              <a:rPr lang="en-US" smtClean="0"/>
+              <a:rPr lang="en-US"/>
               <a:t>Click to edit Master title style</a:t>
             </a:r>
-            <a:endParaRPr lang="en-US"/>
           </a:p>
         </p:txBody>
       </p:sp>
@@ -2129,38 +2113,37 @@
           <a:p>
             <a:pPr lvl="0"/>
             <a:r>
-              <a:rPr lang="en-US" smtClean="0"/>
+              <a:rPr lang="en-US"/>
               <a:t>Click to edit Master text styles</a:t>
             </a:r>
           </a:p>
           <a:p>
             <a:pPr lvl="1"/>
             <a:r>
-              <a:rPr lang="en-US" smtClean="0"/>
+              <a:rPr lang="en-US"/>
               <a:t>Second level</a:t>
             </a:r>
           </a:p>
           <a:p>
             <a:pPr lvl="2"/>
             <a:r>
-              <a:rPr lang="en-US" smtClean="0"/>
+              <a:rPr lang="en-US"/>
               <a:t>Third level</a:t>
             </a:r>
           </a:p>
           <a:p>
             <a:pPr lvl="3"/>
             <a:r>
-              <a:rPr lang="en-US" smtClean="0"/>
+              <a:rPr lang="en-US"/>
               <a:t>Fourth level</a:t>
             </a:r>
           </a:p>
           <a:p>
             <a:pPr lvl="4"/>
             <a:r>
-              <a:rPr lang="en-US" smtClean="0"/>
+              <a:rPr lang="en-US"/>
               <a:t>Fifth level</a:t>
             </a:r>
-            <a:endParaRPr lang="en-US"/>
           </a:p>
         </p:txBody>
       </p:sp>
@@ -2223,7 +2206,7 @@
           <a:p>
             <a:pPr lvl="0"/>
             <a:r>
-              <a:rPr lang="en-US" smtClean="0"/>
+              <a:rPr lang="en-US"/>
               <a:t>Click to edit Master text styles</a:t>
             </a:r>
           </a:p>
@@ -2247,7 +2230,7 @@
             <a:fld id="{BC0F27FA-270D-6E46-9FAB-822F01A0D251}" type="datetimeFigureOut">
               <a:rPr lang="en-US" smtClean="0"/>
               <a:pPr/>
-              <a:t>1/13/17</a:t>
+              <a:t>7/24/19</a:t>
             </a:fld>
             <a:endParaRPr lang="en-US"/>
           </a:p>
@@ -2346,10 +2329,9 @@
           </a:lstStyle>
           <a:p>
             <a:r>
-              <a:rPr lang="en-US" smtClean="0"/>
+              <a:rPr lang="en-US"/>
               <a:t>Click to edit Master title style</a:t>
             </a:r>
-            <a:endParaRPr lang="en-US"/>
           </a:p>
         </p:txBody>
       </p:sp>
@@ -2473,7 +2455,7 @@
           <a:p>
             <a:pPr lvl="0"/>
             <a:r>
-              <a:rPr lang="en-US" smtClean="0"/>
+              <a:rPr lang="en-US"/>
               <a:t>Click to edit Master text styles</a:t>
             </a:r>
           </a:p>
@@ -2497,7 +2479,7 @@
             <a:fld id="{BC0F27FA-270D-6E46-9FAB-822F01A0D251}" type="datetimeFigureOut">
               <a:rPr lang="en-US" smtClean="0"/>
               <a:pPr/>
-              <a:t>1/13/17</a:t>
+              <a:t>7/24/19</a:t>
             </a:fld>
             <a:endParaRPr lang="en-US"/>
           </a:p>
@@ -2602,10 +2584,9 @@
           <a:lstStyle/>
           <a:p>
             <a:r>
-              <a:rPr lang="en-US" smtClean="0"/>
+              <a:rPr lang="en-US"/>
               <a:t>Click to edit Master title style</a:t>
             </a:r>
-            <a:endParaRPr lang="en-US"/>
           </a:p>
         </p:txBody>
       </p:sp>
@@ -2636,38 +2617,37 @@
           <a:p>
             <a:pPr lvl="0"/>
             <a:r>
-              <a:rPr lang="en-US" smtClean="0"/>
+              <a:rPr lang="en-US"/>
               <a:t>Click to edit Master text styles</a:t>
             </a:r>
           </a:p>
           <a:p>
             <a:pPr lvl="1"/>
             <a:r>
-              <a:rPr lang="en-US" smtClean="0"/>
+              <a:rPr lang="en-US"/>
               <a:t>Second level</a:t>
             </a:r>
           </a:p>
           <a:p>
             <a:pPr lvl="2"/>
             <a:r>
-              <a:rPr lang="en-US" smtClean="0"/>
+              <a:rPr lang="en-US"/>
               <a:t>Third level</a:t>
             </a:r>
           </a:p>
           <a:p>
             <a:pPr lvl="3"/>
             <a:r>
-              <a:rPr lang="en-US" smtClean="0"/>
+              <a:rPr lang="en-US"/>
               <a:t>Fourth level</a:t>
             </a:r>
           </a:p>
           <a:p>
             <a:pPr lvl="4"/>
             <a:r>
-              <a:rPr lang="en-US" smtClean="0"/>
+              <a:rPr lang="en-US"/>
               <a:t>Fifth level</a:t>
             </a:r>
-            <a:endParaRPr lang="en-US"/>
           </a:p>
         </p:txBody>
       </p:sp>
@@ -2707,7 +2687,7 @@
             <a:fld id="{BC0F27FA-270D-6E46-9FAB-822F01A0D251}" type="datetimeFigureOut">
               <a:rPr lang="en-US" smtClean="0"/>
               <a:pPr/>
-              <a:t>1/13/17</a:t>
+              <a:t>7/24/19</a:t>
             </a:fld>
             <a:endParaRPr lang="en-US"/>
           </a:p>
@@ -3237,13 +3217,6 @@
   <p:clrMapOvr>
     <a:masterClrMapping/>
   </p:clrMapOvr>
-  <p:timing>
-    <p:tnLst>
-      <p:par>
-        <p:cTn id="1" dur="indefinite" restart="never" nodeType="tmRoot"/>
-      </p:par>
-    </p:tnLst>
-  </p:timing>
 </p:sld>
 </file>
 
@@ -3423,13 +3396,6 @@
   <p:clrMapOvr>
     <a:masterClrMapping/>
   </p:clrMapOvr>
-  <p:timing>
-    <p:tnLst>
-      <p:par>
-        <p:cTn id="1" dur="indefinite" restart="never" nodeType="tmRoot"/>
-      </p:par>
-    </p:tnLst>
-  </p:timing>
 </p:sld>
 </file>
 
@@ -3610,13 +3576,6 @@
   <p:clrMapOvr>
     <a:masterClrMapping/>
   </p:clrMapOvr>
-  <p:timing>
-    <p:tnLst>
-      <p:par>
-        <p:cTn id="1" dur="indefinite" restart="never" nodeType="tmRoot"/>
-      </p:par>
-    </p:tnLst>
-  </p:timing>
 </p:sld>
 </file>
 
@@ -3806,13 +3765,108 @@
   <p:clrMapOvr>
     <a:masterClrMapping/>
   </p:clrMapOvr>
-  <p:timing>
-    <p:tnLst>
-      <p:par>
-        <p:cTn id="1" dur="indefinite" restart="never" nodeType="tmRoot"/>
-      </p:par>
-    </p:tnLst>
-  </p:timing>
+</p:sld>
+</file>
+
+<file path=ppt/slides/slide5.xml><?xml version="1.0" encoding="utf-8"?>
+<p:sld xmlns:a="http://schemas.openxmlformats.org/drawingml/2006/main" xmlns:r="http://schemas.openxmlformats.org/officeDocument/2006/relationships" xmlns:p="http://schemas.openxmlformats.org/presentationml/2006/main">
+  <p:cSld>
+    <p:spTree>
+      <p:nvGrpSpPr>
+        <p:cNvPr id="1" name=""/>
+        <p:cNvGrpSpPr/>
+        <p:nvPr/>
+      </p:nvGrpSpPr>
+      <p:grpSpPr>
+        <a:xfrm>
+          <a:off x="0" y="0"/>
+          <a:ext cx="0" cy="0"/>
+          <a:chOff x="0" y="0"/>
+          <a:chExt cx="0" cy="0"/>
+        </a:xfrm>
+      </p:grpSpPr>
+      <p:sp>
+        <p:nvSpPr>
+          <p:cNvPr id="2" name="Title 1"/>
+          <p:cNvSpPr>
+            <a:spLocks noGrp="1"/>
+          </p:cNvSpPr>
+          <p:nvPr>
+            <p:ph type="title"/>
+          </p:nvPr>
+        </p:nvSpPr>
+        <p:spPr/>
+        <p:txBody>
+          <a:bodyPr>
+            <a:normAutofit fontScale="90000"/>
+          </a:bodyPr>
+          <a:lstStyle/>
+          <a:p>
+            <a:endParaRPr lang="en-US"/>
+          </a:p>
+        </p:txBody>
+      </p:sp>
+      <p:pic>
+        <p:nvPicPr>
+          <p:cNvPr id="7" name="Content Placeholder 6" descr="home_background_0.jpg"/>
+          <p:cNvPicPr>
+            <a:picLocks noGrp="1" noChangeAspect="1"/>
+          </p:cNvPicPr>
+          <p:nvPr>
+            <p:ph idx="1"/>
+          </p:nvPr>
+        </p:nvPicPr>
+        <p:blipFill rotWithShape="1">
+          <a:blip r:embed="rId2"/>
+          <a:srcRect t="-4200" r="4869" b="19693"/>
+          <a:stretch/>
+        </p:blipFill>
+        <p:spPr>
+          <a:xfrm>
+            <a:off x="457203" y="1600201"/>
+            <a:ext cx="6492240" cy="2926080"/>
+          </a:xfrm>
+        </p:spPr>
+      </p:pic>
+      <p:pic>
+        <p:nvPicPr>
+          <p:cNvPr id="11" name="Picture 10">
+            <a:extLst>
+              <a:ext uri="{FF2B5EF4-FFF2-40B4-BE49-F238E27FC236}">
+                <a16:creationId xmlns:a16="http://schemas.microsoft.com/office/drawing/2014/main" id="{EC209609-5EB0-224A-A560-8825934FFBE1}"/>
+              </a:ext>
+            </a:extLst>
+          </p:cNvPr>
+          <p:cNvPicPr>
+            <a:picLocks noChangeAspect="1"/>
+          </p:cNvPicPr>
+          <p:nvPr/>
+        </p:nvPicPr>
+        <p:blipFill rotWithShape="1">
+          <a:blip r:embed="rId3"/>
+          <a:srcRect b="1346"/>
+          <a:stretch/>
+        </p:blipFill>
+        <p:spPr>
+          <a:xfrm>
+            <a:off x="4715105" y="1929384"/>
+            <a:ext cx="2235200" cy="2606040"/>
+          </a:xfrm>
+          <a:prstGeom prst="rect">
+            <a:avLst/>
+          </a:prstGeom>
+        </p:spPr>
+      </p:pic>
+    </p:spTree>
+    <p:extLst>
+      <p:ext uri="{BB962C8B-B14F-4D97-AF65-F5344CB8AC3E}">
+        <p14:creationId xmlns:p14="http://schemas.microsoft.com/office/powerpoint/2010/main" val="1961936575"/>
+      </p:ext>
+    </p:extLst>
+  </p:cSld>
+  <p:clrMapOvr>
+    <a:masterClrMapping/>
+  </p:clrMapOvr>
 </p:sld>
 </file>
 
